--- a/pictures/full-stack-notes-logo.pptx
+++ b/pictures/full-stack-notes-logo.pptx
@@ -6,6 +6,7 @@
   </p:sldMasterIdLst>
   <p:sldIdLst>
     <p:sldId id="256" r:id="rId2"/>
+    <p:sldId id="257" r:id="rId3"/>
   </p:sldIdLst>
   <p:sldSz cx="12192000" cy="6858000"/>
   <p:notesSz cx="6858000" cy="9144000"/>
@@ -104,6 +105,11 @@
       </a:defRPr>
     </a:lvl9pPr>
   </p:defaultTextStyle>
+  <p:extLst>
+    <p:ext uri="{EFAFB233-063F-42B5-8137-9DF3F51BA10A}">
+      <p15:sldGuideLst xmlns:p15="http://schemas.microsoft.com/office/powerpoint/2012/main"/>
+    </p:ext>
+  </p:extLst>
 </p:presentation>
 </file>
 
@@ -238,7 +244,7 @@
           <a:p>
             <a:fld id="{4BD9B298-7F30-4A0F-821E-C256BDC9AF21}" type="datetimeFigureOut">
               <a:rPr lang="zh-CN" altLang="en-US" smtClean="0"/>
-              <a:t>2019/12/31</a:t>
+              <a:t>2020/1/17</a:t>
             </a:fld>
             <a:endParaRPr lang="zh-CN" altLang="en-US"/>
           </a:p>
@@ -408,7 +414,7 @@
           <a:p>
             <a:fld id="{4BD9B298-7F30-4A0F-821E-C256BDC9AF21}" type="datetimeFigureOut">
               <a:rPr lang="zh-CN" altLang="en-US" smtClean="0"/>
-              <a:t>2019/12/31</a:t>
+              <a:t>2020/1/17</a:t>
             </a:fld>
             <a:endParaRPr lang="zh-CN" altLang="en-US"/>
           </a:p>
@@ -588,7 +594,7 @@
           <a:p>
             <a:fld id="{4BD9B298-7F30-4A0F-821E-C256BDC9AF21}" type="datetimeFigureOut">
               <a:rPr lang="zh-CN" altLang="en-US" smtClean="0"/>
-              <a:t>2019/12/31</a:t>
+              <a:t>2020/1/17</a:t>
             </a:fld>
             <a:endParaRPr lang="zh-CN" altLang="en-US"/>
           </a:p>
@@ -758,7 +764,7 @@
           <a:p>
             <a:fld id="{4BD9B298-7F30-4A0F-821E-C256BDC9AF21}" type="datetimeFigureOut">
               <a:rPr lang="zh-CN" altLang="en-US" smtClean="0"/>
-              <a:t>2019/12/31</a:t>
+              <a:t>2020/1/17</a:t>
             </a:fld>
             <a:endParaRPr lang="zh-CN" altLang="en-US"/>
           </a:p>
@@ -1004,7 +1010,7 @@
           <a:p>
             <a:fld id="{4BD9B298-7F30-4A0F-821E-C256BDC9AF21}" type="datetimeFigureOut">
               <a:rPr lang="zh-CN" altLang="en-US" smtClean="0"/>
-              <a:t>2019/12/31</a:t>
+              <a:t>2020/1/17</a:t>
             </a:fld>
             <a:endParaRPr lang="zh-CN" altLang="en-US"/>
           </a:p>
@@ -1236,7 +1242,7 @@
           <a:p>
             <a:fld id="{4BD9B298-7F30-4A0F-821E-C256BDC9AF21}" type="datetimeFigureOut">
               <a:rPr lang="zh-CN" altLang="en-US" smtClean="0"/>
-              <a:t>2019/12/31</a:t>
+              <a:t>2020/1/17</a:t>
             </a:fld>
             <a:endParaRPr lang="zh-CN" altLang="en-US"/>
           </a:p>
@@ -1603,7 +1609,7 @@
           <a:p>
             <a:fld id="{4BD9B298-7F30-4A0F-821E-C256BDC9AF21}" type="datetimeFigureOut">
               <a:rPr lang="zh-CN" altLang="en-US" smtClean="0"/>
-              <a:t>2019/12/31</a:t>
+              <a:t>2020/1/17</a:t>
             </a:fld>
             <a:endParaRPr lang="zh-CN" altLang="en-US"/>
           </a:p>
@@ -1721,7 +1727,7 @@
           <a:p>
             <a:fld id="{4BD9B298-7F30-4A0F-821E-C256BDC9AF21}" type="datetimeFigureOut">
               <a:rPr lang="zh-CN" altLang="en-US" smtClean="0"/>
-              <a:t>2019/12/31</a:t>
+              <a:t>2020/1/17</a:t>
             </a:fld>
             <a:endParaRPr lang="zh-CN" altLang="en-US"/>
           </a:p>
@@ -1816,7 +1822,7 @@
           <a:p>
             <a:fld id="{4BD9B298-7F30-4A0F-821E-C256BDC9AF21}" type="datetimeFigureOut">
               <a:rPr lang="zh-CN" altLang="en-US" smtClean="0"/>
-              <a:t>2019/12/31</a:t>
+              <a:t>2020/1/17</a:t>
             </a:fld>
             <a:endParaRPr lang="zh-CN" altLang="en-US"/>
           </a:p>
@@ -2093,7 +2099,7 @@
           <a:p>
             <a:fld id="{4BD9B298-7F30-4A0F-821E-C256BDC9AF21}" type="datetimeFigureOut">
               <a:rPr lang="zh-CN" altLang="en-US" smtClean="0"/>
-              <a:t>2019/12/31</a:t>
+              <a:t>2020/1/17</a:t>
             </a:fld>
             <a:endParaRPr lang="zh-CN" altLang="en-US"/>
           </a:p>
@@ -2346,7 +2352,7 @@
           <a:p>
             <a:fld id="{4BD9B298-7F30-4A0F-821E-C256BDC9AF21}" type="datetimeFigureOut">
               <a:rPr lang="zh-CN" altLang="en-US" smtClean="0"/>
-              <a:t>2019/12/31</a:t>
+              <a:t>2020/1/17</a:t>
             </a:fld>
             <a:endParaRPr lang="zh-CN" altLang="en-US"/>
           </a:p>
@@ -2559,7 +2565,7 @@
           <a:p>
             <a:fld id="{4BD9B298-7F30-4A0F-821E-C256BDC9AF21}" type="datetimeFigureOut">
               <a:rPr lang="zh-CN" altLang="en-US" smtClean="0"/>
-              <a:t>2019/12/31</a:t>
+              <a:t>2020/1/17</a:t>
             </a:fld>
             <a:endParaRPr lang="zh-CN" altLang="en-US"/>
           </a:p>
@@ -3699,6 +3705,1086 @@
 </p:sld>
 </file>
 
+<file path=ppt/slides/slide2.xml><?xml version="1.0" encoding="utf-8"?>
+<p:sld xmlns:a="http://schemas.openxmlformats.org/drawingml/2006/main" xmlns:r="http://schemas.openxmlformats.org/officeDocument/2006/relationships" xmlns:p="http://schemas.openxmlformats.org/presentationml/2006/main">
+  <p:cSld>
+    <p:spTree>
+      <p:nvGrpSpPr>
+        <p:cNvPr id="1" name=""/>
+        <p:cNvGrpSpPr/>
+        <p:nvPr/>
+      </p:nvGrpSpPr>
+      <p:grpSpPr>
+        <a:xfrm>
+          <a:off x="0" y="0"/>
+          <a:ext cx="0" cy="0"/>
+          <a:chOff x="0" y="0"/>
+          <a:chExt cx="0" cy="0"/>
+        </a:xfrm>
+      </p:grpSpPr>
+      <p:sp>
+        <p:nvSpPr>
+          <p:cNvPr id="4" name="矩形 3"/>
+          <p:cNvSpPr/>
+          <p:nvPr/>
+        </p:nvSpPr>
+        <p:spPr>
+          <a:xfrm>
+            <a:off x="2165464" y="2040602"/>
+            <a:ext cx="7801896" cy="1902543"/>
+          </a:xfrm>
+          <a:prstGeom prst="rect">
+            <a:avLst/>
+          </a:prstGeom>
+          <a:gradFill>
+            <a:gsLst>
+              <a:gs pos="0">
+                <a:schemeClr val="accent1">
+                  <a:lumMod val="50000"/>
+                </a:schemeClr>
+              </a:gs>
+              <a:gs pos="68575">
+                <a:schemeClr val="accent1">
+                  <a:lumMod val="75000"/>
+                </a:schemeClr>
+              </a:gs>
+              <a:gs pos="30000">
+                <a:schemeClr val="accent1">
+                  <a:lumMod val="75000"/>
+                </a:schemeClr>
+              </a:gs>
+              <a:gs pos="100000">
+                <a:schemeClr val="accent1">
+                  <a:lumMod val="50000"/>
+                </a:schemeClr>
+              </a:gs>
+            </a:gsLst>
+            <a:lin ang="0" scaled="1"/>
+          </a:gradFill>
+          <a:ln>
+            <a:noFill/>
+          </a:ln>
+        </p:spPr>
+        <p:style>
+          <a:lnRef idx="2">
+            <a:schemeClr val="accent1">
+              <a:shade val="50000"/>
+            </a:schemeClr>
+          </a:lnRef>
+          <a:fillRef idx="1">
+            <a:schemeClr val="accent1"/>
+          </a:fillRef>
+          <a:effectRef idx="0">
+            <a:schemeClr val="accent1"/>
+          </a:effectRef>
+          <a:fontRef idx="minor">
+            <a:schemeClr val="lt1"/>
+          </a:fontRef>
+        </p:style>
+        <p:txBody>
+          <a:bodyPr rtlCol="0" anchor="ctr"/>
+          <a:lstStyle/>
+          <a:p>
+            <a:pPr algn="ctr"/>
+            <a:endParaRPr lang="zh-CN" altLang="en-US"/>
+          </a:p>
+        </p:txBody>
+      </p:sp>
+      <p:sp>
+        <p:nvSpPr>
+          <p:cNvPr id="7" name="圆角矩形 6"/>
+          <p:cNvSpPr/>
+          <p:nvPr/>
+        </p:nvSpPr>
+        <p:spPr>
+          <a:xfrm>
+            <a:off x="2697839" y="2349519"/>
+            <a:ext cx="381414" cy="1234917"/>
+          </a:xfrm>
+          <a:prstGeom prst="roundRect">
+            <a:avLst/>
+          </a:prstGeom>
+          <a:solidFill>
+            <a:schemeClr val="accent6"/>
+          </a:solidFill>
+          <a:ln>
+            <a:noFill/>
+          </a:ln>
+        </p:spPr>
+        <p:style>
+          <a:lnRef idx="2">
+            <a:schemeClr val="accent1">
+              <a:shade val="50000"/>
+            </a:schemeClr>
+          </a:lnRef>
+          <a:fillRef idx="1">
+            <a:schemeClr val="accent1"/>
+          </a:fillRef>
+          <a:effectRef idx="0">
+            <a:schemeClr val="accent1"/>
+          </a:effectRef>
+          <a:fontRef idx="minor">
+            <a:schemeClr val="lt1"/>
+          </a:fontRef>
+        </p:style>
+        <p:txBody>
+          <a:bodyPr rtlCol="0" anchor="ctr"/>
+          <a:lstStyle/>
+          <a:p>
+            <a:pPr algn="ctr"/>
+            <a:endParaRPr lang="zh-CN" altLang="en-US"/>
+          </a:p>
+        </p:txBody>
+      </p:sp>
+      <p:sp>
+        <p:nvSpPr>
+          <p:cNvPr id="8" name="圆角矩形 7"/>
+          <p:cNvSpPr/>
+          <p:nvPr/>
+        </p:nvSpPr>
+        <p:spPr>
+          <a:xfrm>
+            <a:off x="3076342" y="2255939"/>
+            <a:ext cx="400096" cy="1328497"/>
+          </a:xfrm>
+          <a:prstGeom prst="roundRect">
+            <a:avLst/>
+          </a:prstGeom>
+          <a:solidFill>
+            <a:srgbClr val="0090FF"/>
+          </a:solidFill>
+          <a:ln>
+            <a:noFill/>
+          </a:ln>
+        </p:spPr>
+        <p:style>
+          <a:lnRef idx="2">
+            <a:schemeClr val="accent1">
+              <a:shade val="50000"/>
+            </a:schemeClr>
+          </a:lnRef>
+          <a:fillRef idx="1">
+            <a:schemeClr val="accent1"/>
+          </a:fillRef>
+          <a:effectRef idx="0">
+            <a:schemeClr val="accent1"/>
+          </a:effectRef>
+          <a:fontRef idx="minor">
+            <a:schemeClr val="lt1"/>
+          </a:fontRef>
+        </p:style>
+        <p:txBody>
+          <a:bodyPr rtlCol="0" anchor="ctr"/>
+          <a:lstStyle/>
+          <a:p>
+            <a:pPr algn="ctr"/>
+            <a:endParaRPr lang="zh-CN" altLang="en-US"/>
+          </a:p>
+        </p:txBody>
+      </p:sp>
+      <p:sp>
+        <p:nvSpPr>
+          <p:cNvPr id="17" name="矩形 16"/>
+          <p:cNvSpPr/>
+          <p:nvPr/>
+        </p:nvSpPr>
+        <p:spPr>
+          <a:xfrm>
+            <a:off x="3166084" y="2258367"/>
+            <a:ext cx="227590" cy="525272"/>
+          </a:xfrm>
+          <a:prstGeom prst="rect">
+            <a:avLst/>
+          </a:prstGeom>
+          <a:solidFill>
+            <a:srgbClr val="73C2FF"/>
+          </a:solidFill>
+          <a:ln>
+            <a:noFill/>
+          </a:ln>
+        </p:spPr>
+        <p:style>
+          <a:lnRef idx="2">
+            <a:schemeClr val="accent1">
+              <a:shade val="50000"/>
+            </a:schemeClr>
+          </a:lnRef>
+          <a:fillRef idx="1">
+            <a:schemeClr val="accent1"/>
+          </a:fillRef>
+          <a:effectRef idx="0">
+            <a:schemeClr val="accent1"/>
+          </a:effectRef>
+          <a:fontRef idx="minor">
+            <a:schemeClr val="lt1"/>
+          </a:fontRef>
+        </p:style>
+        <p:txBody>
+          <a:bodyPr rtlCol="0" anchor="ctr"/>
+          <a:lstStyle/>
+          <a:p>
+            <a:pPr algn="ctr"/>
+            <a:endParaRPr lang="zh-CN" altLang="en-US"/>
+          </a:p>
+        </p:txBody>
+      </p:sp>
+      <p:sp>
+        <p:nvSpPr>
+          <p:cNvPr id="18" name="等腰三角形 17"/>
+          <p:cNvSpPr/>
+          <p:nvPr/>
+        </p:nvSpPr>
+        <p:spPr>
+          <a:xfrm>
+            <a:off x="3108080" y="2479040"/>
+            <a:ext cx="332209" cy="314629"/>
+          </a:xfrm>
+          <a:prstGeom prst="triangle">
+            <a:avLst/>
+          </a:prstGeom>
+          <a:solidFill>
+            <a:srgbClr val="0090FF"/>
+          </a:solidFill>
+          <a:ln>
+            <a:noFill/>
+          </a:ln>
+        </p:spPr>
+        <p:style>
+          <a:lnRef idx="2">
+            <a:schemeClr val="accent1">
+              <a:shade val="50000"/>
+            </a:schemeClr>
+          </a:lnRef>
+          <a:fillRef idx="1">
+            <a:schemeClr val="accent1"/>
+          </a:fillRef>
+          <a:effectRef idx="0">
+            <a:schemeClr val="accent1"/>
+          </a:effectRef>
+          <a:fontRef idx="minor">
+            <a:schemeClr val="lt1"/>
+          </a:fontRef>
+        </p:style>
+        <p:txBody>
+          <a:bodyPr rtlCol="0" anchor="ctr"/>
+          <a:lstStyle/>
+          <a:p>
+            <a:pPr algn="ctr"/>
+            <a:endParaRPr lang="zh-CN" altLang="en-US"/>
+          </a:p>
+        </p:txBody>
+      </p:sp>
+      <p:pic>
+        <p:nvPicPr>
+          <p:cNvPr id="19" name="图片 18"/>
+          <p:cNvPicPr>
+            <a:picLocks noChangeAspect="1"/>
+          </p:cNvPicPr>
+          <p:nvPr/>
+        </p:nvPicPr>
+        <p:blipFill>
+          <a:blip r:embed="rId2">
+            <a:extLst>
+              <a:ext uri="{28A0092B-C50C-407E-A947-70E740481C1C}">
+                <a14:useLocalDpi xmlns:a14="http://schemas.microsoft.com/office/drawing/2010/main" val="0"/>
+              </a:ext>
+            </a:extLst>
+          </a:blip>
+          <a:stretch>
+            <a:fillRect/>
+          </a:stretch>
+        </p:blipFill>
+        <p:spPr>
+          <a:xfrm>
+            <a:off x="2756568" y="3102745"/>
+            <a:ext cx="287454" cy="287454"/>
+          </a:xfrm>
+          <a:prstGeom prst="rect">
+            <a:avLst/>
+          </a:prstGeom>
+        </p:spPr>
+      </p:pic>
+      <p:pic>
+        <p:nvPicPr>
+          <p:cNvPr id="20" name="图片 19"/>
+          <p:cNvPicPr>
+            <a:picLocks noChangeAspect="1"/>
+          </p:cNvPicPr>
+          <p:nvPr/>
+        </p:nvPicPr>
+        <p:blipFill>
+          <a:blip r:embed="rId3">
+            <a:extLst>
+              <a:ext uri="{28A0092B-C50C-407E-A947-70E740481C1C}">
+                <a14:useLocalDpi xmlns:a14="http://schemas.microsoft.com/office/drawing/2010/main" val="0"/>
+              </a:ext>
+            </a:extLst>
+          </a:blip>
+          <a:stretch>
+            <a:fillRect/>
+          </a:stretch>
+        </p:blipFill>
+        <p:spPr>
+          <a:xfrm>
+            <a:off x="3155308" y="3131344"/>
+            <a:ext cx="256387" cy="256387"/>
+          </a:xfrm>
+          <a:prstGeom prst="rect">
+            <a:avLst/>
+          </a:prstGeom>
+        </p:spPr>
+      </p:pic>
+      <p:sp>
+        <p:nvSpPr>
+          <p:cNvPr id="22" name="文本框 21"/>
+          <p:cNvSpPr txBox="1"/>
+          <p:nvPr/>
+        </p:nvSpPr>
+        <p:spPr>
+          <a:xfrm>
+            <a:off x="4333015" y="2541549"/>
+            <a:ext cx="5501149" cy="769441"/>
+          </a:xfrm>
+          <a:prstGeom prst="rect">
+            <a:avLst/>
+          </a:prstGeom>
+          <a:noFill/>
+          <a:effectLst>
+            <a:reflection stA="66000" endPos="0" dist="571500" dir="5400000" sy="-100000" algn="bl" rotWithShape="0"/>
+          </a:effectLst>
+        </p:spPr>
+        <p:txBody>
+          <a:bodyPr wrap="square" rtlCol="0">
+            <a:spAutoFit/>
+          </a:bodyPr>
+          <a:lstStyle/>
+          <a:p>
+            <a:r>
+              <a:rPr lang="en-US" altLang="zh-CN" sz="4400" b="1" spc="600" smtClean="0">
+                <a:solidFill>
+                  <a:schemeClr val="bg1"/>
+                </a:solidFill>
+                <a:effectLst>
+                  <a:outerShdw blurRad="50800" dist="38100" algn="l" rotWithShape="0">
+                    <a:prstClr val="black">
+                      <a:alpha val="40000"/>
+                    </a:prstClr>
+                  </a:outerShdw>
+                  <a:reflection blurRad="12700" stA="35000" endPos="37000" dist="60007" dir="5400000" sy="-100000" algn="bl" rotWithShape="0"/>
+                </a:effectLst>
+                <a:latin typeface="Chosence Light" panose="02000500000000000000" pitchFamily="2" charset="0"/>
+                <a:ea typeface="Yu Gothic UI Light" panose="020B0300000000000000" pitchFamily="34" charset="-128"/>
+              </a:rPr>
+              <a:t>FULL </a:t>
+            </a:r>
+            <a:r>
+              <a:rPr lang="en-US" altLang="zh-CN" sz="4400" b="1" spc="600" smtClean="0">
+                <a:solidFill>
+                  <a:schemeClr val="bg1"/>
+                </a:solidFill>
+                <a:effectLst>
+                  <a:outerShdw blurRad="50800" dist="38100" algn="l" rotWithShape="0">
+                    <a:prstClr val="black">
+                      <a:alpha val="40000"/>
+                    </a:prstClr>
+                  </a:outerShdw>
+                  <a:reflection blurRad="12700" stA="35000" endPos="37000" dist="60007" dir="5400000" sy="-100000" algn="bl" rotWithShape="0"/>
+                </a:effectLst>
+                <a:latin typeface="Chosence Light" panose="02000500000000000000" pitchFamily="2" charset="0"/>
+                <a:ea typeface="Arial Unicode MS" panose="020B0604020202020204" pitchFamily="34" charset="-122"/>
+                <a:cs typeface="Arial Unicode MS" panose="020B0604020202020204" pitchFamily="34" charset="-122"/>
+              </a:rPr>
+              <a:t>STACK</a:t>
+            </a:r>
+            <a:r>
+              <a:rPr lang="en-US" altLang="zh-CN" sz="4400" b="1" spc="600" smtClean="0">
+                <a:solidFill>
+                  <a:schemeClr val="bg1"/>
+                </a:solidFill>
+                <a:effectLst>
+                  <a:outerShdw blurRad="50800" dist="38100" algn="l" rotWithShape="0">
+                    <a:prstClr val="black">
+                      <a:alpha val="40000"/>
+                    </a:prstClr>
+                  </a:outerShdw>
+                  <a:reflection blurRad="12700" stA="35000" endPos="37000" dist="60007" dir="5400000" sy="-100000" algn="bl" rotWithShape="0"/>
+                </a:effectLst>
+                <a:latin typeface="Chosence Light" panose="02000500000000000000" pitchFamily="2" charset="0"/>
+                <a:ea typeface="Yu Gothic UI Light" panose="020B0300000000000000" pitchFamily="34" charset="-128"/>
+              </a:rPr>
+              <a:t> NOTES</a:t>
+            </a:r>
+            <a:endParaRPr lang="zh-CN" altLang="en-US" sz="4400" b="1" spc="600">
+              <a:solidFill>
+                <a:schemeClr val="bg1"/>
+              </a:solidFill>
+              <a:effectLst>
+                <a:outerShdw blurRad="50800" dist="38100" algn="l" rotWithShape="0">
+                  <a:prstClr val="black">
+                    <a:alpha val="40000"/>
+                  </a:prstClr>
+                </a:outerShdw>
+                <a:reflection blurRad="12700" stA="35000" endPos="37000" dist="60007" dir="5400000" sy="-100000" algn="bl" rotWithShape="0"/>
+              </a:effectLst>
+              <a:latin typeface="Chosence Light" panose="02000500000000000000" pitchFamily="2" charset="0"/>
+              <a:ea typeface="Yu Gothic UI Light" panose="020B0300000000000000" pitchFamily="34" charset="-128"/>
+            </a:endParaRPr>
+          </a:p>
+        </p:txBody>
+      </p:sp>
+      <p:sp>
+        <p:nvSpPr>
+          <p:cNvPr id="23" name="矩形 22"/>
+          <p:cNvSpPr/>
+          <p:nvPr/>
+        </p:nvSpPr>
+        <p:spPr>
+          <a:xfrm>
+            <a:off x="2771315" y="2674394"/>
+            <a:ext cx="234462" cy="45719"/>
+          </a:xfrm>
+          <a:prstGeom prst="rect">
+            <a:avLst/>
+          </a:prstGeom>
+          <a:solidFill>
+            <a:schemeClr val="bg1"/>
+          </a:solidFill>
+          <a:ln>
+            <a:noFill/>
+          </a:ln>
+        </p:spPr>
+        <p:style>
+          <a:lnRef idx="2">
+            <a:schemeClr val="accent1">
+              <a:shade val="50000"/>
+            </a:schemeClr>
+          </a:lnRef>
+          <a:fillRef idx="1">
+            <a:schemeClr val="accent1"/>
+          </a:fillRef>
+          <a:effectRef idx="0">
+            <a:schemeClr val="accent1"/>
+          </a:effectRef>
+          <a:fontRef idx="minor">
+            <a:schemeClr val="lt1"/>
+          </a:fontRef>
+        </p:style>
+        <p:txBody>
+          <a:bodyPr rtlCol="0" anchor="ctr"/>
+          <a:lstStyle/>
+          <a:p>
+            <a:pPr algn="ctr"/>
+            <a:endParaRPr lang="zh-CN" altLang="en-US"/>
+          </a:p>
+        </p:txBody>
+      </p:sp>
+      <p:sp>
+        <p:nvSpPr>
+          <p:cNvPr id="24" name="圆角矩形 23"/>
+          <p:cNvSpPr/>
+          <p:nvPr/>
+        </p:nvSpPr>
+        <p:spPr>
+          <a:xfrm>
+            <a:off x="3478434" y="2349519"/>
+            <a:ext cx="381414" cy="1234917"/>
+          </a:xfrm>
+          <a:prstGeom prst="roundRect">
+            <a:avLst/>
+          </a:prstGeom>
+          <a:solidFill>
+            <a:srgbClr val="FFC15B"/>
+          </a:solidFill>
+          <a:ln>
+            <a:noFill/>
+          </a:ln>
+        </p:spPr>
+        <p:style>
+          <a:lnRef idx="2">
+            <a:schemeClr val="accent1">
+              <a:shade val="50000"/>
+            </a:schemeClr>
+          </a:lnRef>
+          <a:fillRef idx="1">
+            <a:schemeClr val="accent1"/>
+          </a:fillRef>
+          <a:effectRef idx="0">
+            <a:schemeClr val="accent1"/>
+          </a:effectRef>
+          <a:fontRef idx="minor">
+            <a:schemeClr val="lt1"/>
+          </a:fontRef>
+        </p:style>
+        <p:txBody>
+          <a:bodyPr rtlCol="0" anchor="ctr"/>
+          <a:lstStyle/>
+          <a:p>
+            <a:pPr algn="ctr"/>
+            <a:endParaRPr lang="zh-CN" altLang="en-US"/>
+          </a:p>
+        </p:txBody>
+      </p:sp>
+      <p:sp>
+        <p:nvSpPr>
+          <p:cNvPr id="25" name="矩形 24"/>
+          <p:cNvSpPr/>
+          <p:nvPr/>
+        </p:nvSpPr>
+        <p:spPr>
+          <a:xfrm>
+            <a:off x="3554723" y="2349519"/>
+            <a:ext cx="234462" cy="122127"/>
+          </a:xfrm>
+          <a:prstGeom prst="rect">
+            <a:avLst/>
+          </a:prstGeom>
+          <a:solidFill>
+            <a:schemeClr val="bg1"/>
+          </a:solidFill>
+          <a:ln>
+            <a:noFill/>
+          </a:ln>
+        </p:spPr>
+        <p:style>
+          <a:lnRef idx="2">
+            <a:schemeClr val="accent1">
+              <a:shade val="50000"/>
+            </a:schemeClr>
+          </a:lnRef>
+          <a:fillRef idx="1">
+            <a:schemeClr val="accent1"/>
+          </a:fillRef>
+          <a:effectRef idx="0">
+            <a:schemeClr val="accent1"/>
+          </a:effectRef>
+          <a:fontRef idx="minor">
+            <a:schemeClr val="lt1"/>
+          </a:fontRef>
+        </p:style>
+        <p:txBody>
+          <a:bodyPr rtlCol="0" anchor="ctr"/>
+          <a:lstStyle/>
+          <a:p>
+            <a:pPr algn="ctr"/>
+            <a:endParaRPr lang="zh-CN" altLang="en-US"/>
+          </a:p>
+        </p:txBody>
+      </p:sp>
+      <p:sp>
+        <p:nvSpPr>
+          <p:cNvPr id="26" name="矩形 25"/>
+          <p:cNvSpPr/>
+          <p:nvPr/>
+        </p:nvSpPr>
+        <p:spPr>
+          <a:xfrm>
+            <a:off x="3554724" y="2560744"/>
+            <a:ext cx="234462" cy="45719"/>
+          </a:xfrm>
+          <a:prstGeom prst="rect">
+            <a:avLst/>
+          </a:prstGeom>
+          <a:solidFill>
+            <a:schemeClr val="bg1"/>
+          </a:solidFill>
+          <a:ln>
+            <a:noFill/>
+          </a:ln>
+        </p:spPr>
+        <p:style>
+          <a:lnRef idx="2">
+            <a:schemeClr val="accent1">
+              <a:shade val="50000"/>
+            </a:schemeClr>
+          </a:lnRef>
+          <a:fillRef idx="1">
+            <a:schemeClr val="accent1"/>
+          </a:fillRef>
+          <a:effectRef idx="0">
+            <a:schemeClr val="accent1"/>
+          </a:effectRef>
+          <a:fontRef idx="minor">
+            <a:schemeClr val="lt1"/>
+          </a:fontRef>
+        </p:style>
+        <p:txBody>
+          <a:bodyPr rtlCol="0" anchor="ctr"/>
+          <a:lstStyle/>
+          <a:p>
+            <a:pPr algn="ctr"/>
+            <a:endParaRPr lang="zh-CN" altLang="en-US"/>
+          </a:p>
+        </p:txBody>
+      </p:sp>
+      <p:sp>
+        <p:nvSpPr>
+          <p:cNvPr id="28" name="矩形 27"/>
+          <p:cNvSpPr/>
+          <p:nvPr/>
+        </p:nvSpPr>
+        <p:spPr>
+          <a:xfrm>
+            <a:off x="3551910" y="2677398"/>
+            <a:ext cx="234462" cy="45719"/>
+          </a:xfrm>
+          <a:prstGeom prst="rect">
+            <a:avLst/>
+          </a:prstGeom>
+          <a:solidFill>
+            <a:schemeClr val="bg1"/>
+          </a:solidFill>
+          <a:ln>
+            <a:noFill/>
+          </a:ln>
+        </p:spPr>
+        <p:style>
+          <a:lnRef idx="2">
+            <a:schemeClr val="accent1">
+              <a:shade val="50000"/>
+            </a:schemeClr>
+          </a:lnRef>
+          <a:fillRef idx="1">
+            <a:schemeClr val="accent1"/>
+          </a:fillRef>
+          <a:effectRef idx="0">
+            <a:schemeClr val="accent1"/>
+          </a:effectRef>
+          <a:fontRef idx="minor">
+            <a:schemeClr val="lt1"/>
+          </a:fontRef>
+        </p:style>
+        <p:txBody>
+          <a:bodyPr rtlCol="0" anchor="ctr"/>
+          <a:lstStyle/>
+          <a:p>
+            <a:pPr algn="ctr"/>
+            <a:endParaRPr lang="zh-CN" altLang="en-US"/>
+          </a:p>
+        </p:txBody>
+      </p:sp>
+      <p:pic>
+        <p:nvPicPr>
+          <p:cNvPr id="10" name="图片 9"/>
+          <p:cNvPicPr>
+            <a:picLocks noChangeAspect="1"/>
+          </p:cNvPicPr>
+          <p:nvPr/>
+        </p:nvPicPr>
+        <p:blipFill>
+          <a:blip r:embed="rId4">
+            <a:extLst>
+              <a:ext uri="{28A0092B-C50C-407E-A947-70E740481C1C}">
+                <a14:useLocalDpi xmlns:a14="http://schemas.microsoft.com/office/drawing/2010/main" val="0"/>
+              </a:ext>
+            </a:extLst>
+          </a:blip>
+          <a:stretch>
+            <a:fillRect/>
+          </a:stretch>
+        </p:blipFill>
+        <p:spPr>
+          <a:xfrm>
+            <a:off x="3546173" y="3149758"/>
+            <a:ext cx="257457" cy="257457"/>
+          </a:xfrm>
+          <a:prstGeom prst="rect">
+            <a:avLst/>
+          </a:prstGeom>
+        </p:spPr>
+      </p:pic>
+      <p:sp>
+        <p:nvSpPr>
+          <p:cNvPr id="29" name="文本框 28"/>
+          <p:cNvSpPr txBox="1"/>
+          <p:nvPr/>
+        </p:nvSpPr>
+        <p:spPr>
+          <a:xfrm>
+            <a:off x="7810385" y="3410830"/>
+            <a:ext cx="2636717" cy="369332"/>
+          </a:xfrm>
+          <a:prstGeom prst="rect">
+            <a:avLst/>
+          </a:prstGeom>
+          <a:noFill/>
+        </p:spPr>
+        <p:txBody>
+          <a:bodyPr wrap="square" rtlCol="0">
+            <a:spAutoFit/>
+          </a:bodyPr>
+          <a:lstStyle/>
+          <a:p>
+            <a:r>
+              <a:rPr lang="en-US" altLang="zh-CN" b="1" smtClean="0">
+                <a:solidFill>
+                  <a:schemeClr val="bg1"/>
+                </a:solidFill>
+                <a:latin typeface="Bahnschrift SemiBold" panose="020B0502040204020203" pitchFamily="34" charset="0"/>
+                <a:ea typeface="Open Sans" panose="020B0606030504020204" pitchFamily="34" charset="0"/>
+                <a:cs typeface="Open Sans" panose="020B0606030504020204" pitchFamily="34" charset="0"/>
+              </a:rPr>
+              <a:t>—— since 2020.01</a:t>
+            </a:r>
+            <a:endParaRPr lang="zh-CN" altLang="en-US" b="1">
+              <a:solidFill>
+                <a:schemeClr val="bg1"/>
+              </a:solidFill>
+              <a:latin typeface="Bahnschrift SemiBold" panose="020B0502040204020203" pitchFamily="34" charset="0"/>
+              <a:ea typeface="Yu Gothic UI Light" panose="020B0300000000000000" pitchFamily="34" charset="-128"/>
+              <a:cs typeface="Open Sans" panose="020B0606030504020204" pitchFamily="34" charset="0"/>
+            </a:endParaRPr>
+          </a:p>
+        </p:txBody>
+      </p:sp>
+      <p:pic>
+        <p:nvPicPr>
+          <p:cNvPr id="2" name="图片 1"/>
+          <p:cNvPicPr>
+            <a:picLocks noChangeAspect="1"/>
+          </p:cNvPicPr>
+          <p:nvPr/>
+        </p:nvPicPr>
+        <p:blipFill>
+          <a:blip r:embed="rId5">
+            <a:extLst>
+              <a:ext uri="{28A0092B-C50C-407E-A947-70E740481C1C}">
+                <a14:useLocalDpi xmlns:a14="http://schemas.microsoft.com/office/drawing/2010/main" val="0"/>
+              </a:ext>
+            </a:extLst>
+          </a:blip>
+          <a:stretch>
+            <a:fillRect/>
+          </a:stretch>
+        </p:blipFill>
+        <p:spPr>
+          <a:xfrm>
+            <a:off x="9396167" y="2031992"/>
+            <a:ext cx="304800" cy="304800"/>
+          </a:xfrm>
+          <a:prstGeom prst="rect">
+            <a:avLst/>
+          </a:prstGeom>
+        </p:spPr>
+      </p:pic>
+      <p:pic>
+        <p:nvPicPr>
+          <p:cNvPr id="12" name="图片 11"/>
+          <p:cNvPicPr>
+            <a:picLocks noChangeAspect="1"/>
+          </p:cNvPicPr>
+          <p:nvPr/>
+        </p:nvPicPr>
+        <p:blipFill>
+          <a:blip r:embed="rId6">
+            <a:extLst>
+              <a:ext uri="{28A0092B-C50C-407E-A947-70E740481C1C}">
+                <a14:useLocalDpi xmlns:a14="http://schemas.microsoft.com/office/drawing/2010/main" val="0"/>
+              </a:ext>
+            </a:extLst>
+          </a:blip>
+          <a:stretch>
+            <a:fillRect/>
+          </a:stretch>
+        </p:blipFill>
+        <p:spPr>
+          <a:xfrm>
+            <a:off x="9605564" y="2029355"/>
+            <a:ext cx="457200" cy="304800"/>
+          </a:xfrm>
+          <a:prstGeom prst="rect">
+            <a:avLst/>
+          </a:prstGeom>
+        </p:spPr>
+      </p:pic>
+      <p:sp>
+        <p:nvSpPr>
+          <p:cNvPr id="27" name="矩形 26"/>
+          <p:cNvSpPr/>
+          <p:nvPr/>
+        </p:nvSpPr>
+        <p:spPr>
+          <a:xfrm>
+            <a:off x="2771315" y="2349519"/>
+            <a:ext cx="234462" cy="122127"/>
+          </a:xfrm>
+          <a:prstGeom prst="rect">
+            <a:avLst/>
+          </a:prstGeom>
+          <a:solidFill>
+            <a:schemeClr val="bg1"/>
+          </a:solidFill>
+          <a:ln>
+            <a:noFill/>
+          </a:ln>
+        </p:spPr>
+        <p:style>
+          <a:lnRef idx="2">
+            <a:schemeClr val="accent1">
+              <a:shade val="50000"/>
+            </a:schemeClr>
+          </a:lnRef>
+          <a:fillRef idx="1">
+            <a:schemeClr val="accent1"/>
+          </a:fillRef>
+          <a:effectRef idx="0">
+            <a:schemeClr val="accent1"/>
+          </a:effectRef>
+          <a:fontRef idx="minor">
+            <a:schemeClr val="lt1"/>
+          </a:fontRef>
+        </p:style>
+        <p:txBody>
+          <a:bodyPr rtlCol="0" anchor="ctr"/>
+          <a:lstStyle/>
+          <a:p>
+            <a:pPr algn="ctr"/>
+            <a:endParaRPr lang="zh-CN" altLang="en-US"/>
+          </a:p>
+        </p:txBody>
+      </p:sp>
+      <p:sp>
+        <p:nvSpPr>
+          <p:cNvPr id="30" name="矩形 29"/>
+          <p:cNvSpPr/>
+          <p:nvPr/>
+        </p:nvSpPr>
+        <p:spPr>
+          <a:xfrm>
+            <a:off x="2771316" y="2560744"/>
+            <a:ext cx="234462" cy="45719"/>
+          </a:xfrm>
+          <a:prstGeom prst="rect">
+            <a:avLst/>
+          </a:prstGeom>
+          <a:solidFill>
+            <a:schemeClr val="bg1"/>
+          </a:solidFill>
+          <a:ln>
+            <a:noFill/>
+          </a:ln>
+        </p:spPr>
+        <p:style>
+          <a:lnRef idx="2">
+            <a:schemeClr val="accent1">
+              <a:shade val="50000"/>
+            </a:schemeClr>
+          </a:lnRef>
+          <a:fillRef idx="1">
+            <a:schemeClr val="accent1"/>
+          </a:fillRef>
+          <a:effectRef idx="0">
+            <a:schemeClr val="accent1"/>
+          </a:effectRef>
+          <a:fontRef idx="minor">
+            <a:schemeClr val="lt1"/>
+          </a:fontRef>
+        </p:style>
+        <p:txBody>
+          <a:bodyPr rtlCol="0" anchor="ctr"/>
+          <a:lstStyle/>
+          <a:p>
+            <a:pPr algn="ctr"/>
+            <a:endParaRPr lang="zh-CN" altLang="en-US"/>
+          </a:p>
+        </p:txBody>
+      </p:sp>
+      <p:sp>
+        <p:nvSpPr>
+          <p:cNvPr id="3" name="矩形 2"/>
+          <p:cNvSpPr/>
+          <p:nvPr/>
+        </p:nvSpPr>
+        <p:spPr>
+          <a:xfrm>
+            <a:off x="3031837" y="3506512"/>
+            <a:ext cx="45719" cy="77924"/>
+          </a:xfrm>
+          <a:prstGeom prst="rect">
+            <a:avLst/>
+          </a:prstGeom>
+          <a:solidFill>
+            <a:srgbClr val="70AD47"/>
+          </a:solidFill>
+          <a:ln>
+            <a:noFill/>
+          </a:ln>
+        </p:spPr>
+        <p:style>
+          <a:lnRef idx="2">
+            <a:schemeClr val="accent1">
+              <a:shade val="50000"/>
+            </a:schemeClr>
+          </a:lnRef>
+          <a:fillRef idx="1">
+            <a:schemeClr val="accent1"/>
+          </a:fillRef>
+          <a:effectRef idx="0">
+            <a:schemeClr val="accent1"/>
+          </a:effectRef>
+          <a:fontRef idx="minor">
+            <a:schemeClr val="lt1"/>
+          </a:fontRef>
+        </p:style>
+        <p:txBody>
+          <a:bodyPr rtlCol="0" anchor="ctr"/>
+          <a:lstStyle/>
+          <a:p>
+            <a:pPr algn="ctr"/>
+            <a:endParaRPr lang="zh-CN" altLang="en-US"/>
+          </a:p>
+        </p:txBody>
+      </p:sp>
+      <p:sp>
+        <p:nvSpPr>
+          <p:cNvPr id="31" name="矩形 30"/>
+          <p:cNvSpPr/>
+          <p:nvPr/>
+        </p:nvSpPr>
+        <p:spPr>
+          <a:xfrm>
+            <a:off x="3076727" y="3506512"/>
+            <a:ext cx="74060" cy="77924"/>
+          </a:xfrm>
+          <a:prstGeom prst="rect">
+            <a:avLst/>
+          </a:prstGeom>
+          <a:solidFill>
+            <a:srgbClr val="0090FF"/>
+          </a:solidFill>
+          <a:ln>
+            <a:noFill/>
+          </a:ln>
+        </p:spPr>
+        <p:style>
+          <a:lnRef idx="2">
+            <a:schemeClr val="accent1">
+              <a:shade val="50000"/>
+            </a:schemeClr>
+          </a:lnRef>
+          <a:fillRef idx="1">
+            <a:schemeClr val="accent1"/>
+          </a:fillRef>
+          <a:effectRef idx="0">
+            <a:schemeClr val="accent1"/>
+          </a:effectRef>
+          <a:fontRef idx="minor">
+            <a:schemeClr val="lt1"/>
+          </a:fontRef>
+        </p:style>
+        <p:txBody>
+          <a:bodyPr rtlCol="0" anchor="ctr"/>
+          <a:lstStyle/>
+          <a:p>
+            <a:pPr algn="ctr"/>
+            <a:endParaRPr lang="zh-CN" altLang="en-US"/>
+          </a:p>
+        </p:txBody>
+      </p:sp>
+      <p:sp>
+        <p:nvSpPr>
+          <p:cNvPr id="32" name="矩形 31"/>
+          <p:cNvSpPr/>
+          <p:nvPr/>
+        </p:nvSpPr>
+        <p:spPr>
+          <a:xfrm>
+            <a:off x="3403260" y="3506512"/>
+            <a:ext cx="74060" cy="77924"/>
+          </a:xfrm>
+          <a:prstGeom prst="rect">
+            <a:avLst/>
+          </a:prstGeom>
+          <a:solidFill>
+            <a:srgbClr val="0090FF"/>
+          </a:solidFill>
+          <a:ln>
+            <a:noFill/>
+          </a:ln>
+        </p:spPr>
+        <p:style>
+          <a:lnRef idx="2">
+            <a:schemeClr val="accent1">
+              <a:shade val="50000"/>
+            </a:schemeClr>
+          </a:lnRef>
+          <a:fillRef idx="1">
+            <a:schemeClr val="accent1"/>
+          </a:fillRef>
+          <a:effectRef idx="0">
+            <a:schemeClr val="accent1"/>
+          </a:effectRef>
+          <a:fontRef idx="minor">
+            <a:schemeClr val="lt1"/>
+          </a:fontRef>
+        </p:style>
+        <p:txBody>
+          <a:bodyPr rtlCol="0" anchor="ctr"/>
+          <a:lstStyle/>
+          <a:p>
+            <a:pPr algn="ctr"/>
+            <a:endParaRPr lang="zh-CN" altLang="en-US"/>
+          </a:p>
+        </p:txBody>
+      </p:sp>
+      <p:sp>
+        <p:nvSpPr>
+          <p:cNvPr id="33" name="矩形 32"/>
+          <p:cNvSpPr/>
+          <p:nvPr/>
+        </p:nvSpPr>
+        <p:spPr>
+          <a:xfrm>
+            <a:off x="3478773" y="3506512"/>
+            <a:ext cx="74060" cy="77924"/>
+          </a:xfrm>
+          <a:prstGeom prst="rect">
+            <a:avLst/>
+          </a:prstGeom>
+          <a:solidFill>
+            <a:srgbClr val="FFC15B"/>
+          </a:solidFill>
+          <a:ln>
+            <a:noFill/>
+          </a:ln>
+        </p:spPr>
+        <p:style>
+          <a:lnRef idx="2">
+            <a:schemeClr val="accent1">
+              <a:shade val="50000"/>
+            </a:schemeClr>
+          </a:lnRef>
+          <a:fillRef idx="1">
+            <a:schemeClr val="accent1"/>
+          </a:fillRef>
+          <a:effectRef idx="0">
+            <a:schemeClr val="accent1"/>
+          </a:effectRef>
+          <a:fontRef idx="minor">
+            <a:schemeClr val="lt1"/>
+          </a:fontRef>
+        </p:style>
+        <p:txBody>
+          <a:bodyPr rtlCol="0" anchor="ctr"/>
+          <a:lstStyle/>
+          <a:p>
+            <a:pPr algn="ctr"/>
+            <a:endParaRPr lang="zh-CN" altLang="en-US"/>
+          </a:p>
+        </p:txBody>
+      </p:sp>
+    </p:spTree>
+    <p:extLst>
+      <p:ext uri="{BB962C8B-B14F-4D97-AF65-F5344CB8AC3E}">
+        <p14:creationId xmlns:p14="http://schemas.microsoft.com/office/powerpoint/2010/main" val="1580810663"/>
+      </p:ext>
+    </p:extLst>
+  </p:cSld>
+  <p:clrMapOvr>
+    <a:masterClrMapping/>
+  </p:clrMapOvr>
+</p:sld>
+</file>
+
 <file path=ppt/theme/theme1.xml><?xml version="1.0" encoding="utf-8"?>
 <a:theme xmlns:a="http://schemas.openxmlformats.org/drawingml/2006/main" name="Office 主题​​">
   <a:themeElements>
